--- a/Discussion/Discussion_Woessner_Stauffenegger_V2.pptx
+++ b/Discussion/Discussion_Woessner_Stauffenegger_V2.pptx
@@ -222,7 +222,7 @@
           <a:p>
             <a:fld id="{176B0303-6F4F-5243-998E-2D2CC346AF00}" type="datetimeFigureOut">
               <a:rPr lang="en-US" smtClean="0"/>
-              <a:t>5/1/19</a:t>
+              <a:t>5/2/19</a:t>
             </a:fld>
             <a:endParaRPr lang="en-US"/>
           </a:p>
@@ -646,7 +646,7 @@
           <a:p>
             <a:fld id="{85634D96-BAC6-624E-89B2-93829D52EF74}" type="datetimeFigureOut">
               <a:rPr lang="de-DE" smtClean="0"/>
-              <a:t>01.05.19</a:t>
+              <a:t>02.05.19</a:t>
             </a:fld>
             <a:endParaRPr lang="de-DE"/>
           </a:p>
@@ -870,7 +870,7 @@
           <a:p>
             <a:fld id="{85634D96-BAC6-624E-89B2-93829D52EF74}" type="datetimeFigureOut">
               <a:rPr lang="de-DE" smtClean="0"/>
-              <a:t>01.05.19</a:t>
+              <a:t>02.05.19</a:t>
             </a:fld>
             <a:endParaRPr lang="de-DE"/>
           </a:p>
@@ -1104,7 +1104,7 @@
           <a:p>
             <a:fld id="{85634D96-BAC6-624E-89B2-93829D52EF74}" type="datetimeFigureOut">
               <a:rPr lang="de-DE" smtClean="0"/>
-              <a:t>01.05.19</a:t>
+              <a:t>02.05.19</a:t>
             </a:fld>
             <a:endParaRPr lang="de-DE"/>
           </a:p>
@@ -1328,7 +1328,7 @@
           <a:p>
             <a:fld id="{85634D96-BAC6-624E-89B2-93829D52EF74}" type="datetimeFigureOut">
               <a:rPr lang="de-DE" smtClean="0"/>
-              <a:t>01.05.19</a:t>
+              <a:t>02.05.19</a:t>
             </a:fld>
             <a:endParaRPr lang="de-DE"/>
           </a:p>
@@ -1628,7 +1628,7 @@
           <a:p>
             <a:fld id="{85634D96-BAC6-624E-89B2-93829D52EF74}" type="datetimeFigureOut">
               <a:rPr lang="de-DE" smtClean="0"/>
-              <a:t>01.05.19</a:t>
+              <a:t>02.05.19</a:t>
             </a:fld>
             <a:endParaRPr lang="de-DE"/>
           </a:p>
@@ -1920,7 +1920,7 @@
           <a:p>
             <a:fld id="{85634D96-BAC6-624E-89B2-93829D52EF74}" type="datetimeFigureOut">
               <a:rPr lang="de-DE" smtClean="0"/>
-              <a:t>01.05.19</a:t>
+              <a:t>02.05.19</a:t>
             </a:fld>
             <a:endParaRPr lang="de-DE"/>
           </a:p>
@@ -2359,7 +2359,7 @@
           <a:p>
             <a:fld id="{85634D96-BAC6-624E-89B2-93829D52EF74}" type="datetimeFigureOut">
               <a:rPr lang="de-DE" smtClean="0"/>
-              <a:t>01.05.19</a:t>
+              <a:t>02.05.19</a:t>
             </a:fld>
             <a:endParaRPr lang="de-DE"/>
           </a:p>
@@ -2525,7 +2525,7 @@
           <a:p>
             <a:fld id="{85634D96-BAC6-624E-89B2-93829D52EF74}" type="datetimeFigureOut">
               <a:rPr lang="de-DE" smtClean="0"/>
-              <a:t>01.05.19</a:t>
+              <a:t>02.05.19</a:t>
             </a:fld>
             <a:endParaRPr lang="de-DE"/>
           </a:p>
@@ -2662,7 +2662,7 @@
           <a:p>
             <a:fld id="{85634D96-BAC6-624E-89B2-93829D52EF74}" type="datetimeFigureOut">
               <a:rPr lang="de-DE" smtClean="0"/>
-              <a:t>01.05.19</a:t>
+              <a:t>02.05.19</a:t>
             </a:fld>
             <a:endParaRPr lang="de-DE"/>
           </a:p>
@@ -2999,7 +2999,7 @@
           <a:p>
             <a:fld id="{85634D96-BAC6-624E-89B2-93829D52EF74}" type="datetimeFigureOut">
               <a:rPr lang="de-DE" smtClean="0"/>
-              <a:t>01.05.19</a:t>
+              <a:t>02.05.19</a:t>
             </a:fld>
             <a:endParaRPr lang="de-DE"/>
           </a:p>
@@ -3312,7 +3312,7 @@
           <a:p>
             <a:fld id="{85634D96-BAC6-624E-89B2-93829D52EF74}" type="datetimeFigureOut">
               <a:rPr lang="de-DE" smtClean="0"/>
-              <a:t>01.05.19</a:t>
+              <a:t>02.05.19</a:t>
             </a:fld>
             <a:endParaRPr lang="de-DE"/>
           </a:p>
@@ -7164,6 +7164,65 @@
           </a:prstGeom>
         </p:spPr>
       </p:pic>
+      <p:sp>
+        <p:nvSpPr>
+          <p:cNvPr id="9" name="Rectangle 8">
+            <a:extLst>
+              <a:ext uri="{FF2B5EF4-FFF2-40B4-BE49-F238E27FC236}">
+                <a16:creationId xmlns:a16="http://schemas.microsoft.com/office/drawing/2014/main" id="{FF9F9C46-A3A2-564C-B311-187938C0E894}"/>
+              </a:ext>
+            </a:extLst>
+          </p:cNvPr>
+          <p:cNvSpPr/>
+          <p:nvPr/>
+        </p:nvSpPr>
+        <p:spPr>
+          <a:xfrm>
+            <a:off x="838195" y="4589737"/>
+            <a:ext cx="9641305" cy="529386"/>
+          </a:xfrm>
+          <a:prstGeom prst="rect">
+            <a:avLst/>
+          </a:prstGeom>
+          <a:noFill/>
+          <a:ln>
+            <a:solidFill>
+              <a:srgbClr val="008240"/>
+            </a:solidFill>
+          </a:ln>
+        </p:spPr>
+        <p:style>
+          <a:lnRef idx="2">
+            <a:schemeClr val="accent1">
+              <a:shade val="50000"/>
+            </a:schemeClr>
+          </a:lnRef>
+          <a:fillRef idx="1">
+            <a:schemeClr val="accent1"/>
+          </a:fillRef>
+          <a:effectRef idx="0">
+            <a:schemeClr val="accent1"/>
+          </a:effectRef>
+          <a:fontRef idx="minor">
+            <a:schemeClr val="lt1"/>
+          </a:fontRef>
+        </p:style>
+        <p:txBody>
+          <a:bodyPr rtlCol="0" anchor="ctr"/>
+          <a:lstStyle/>
+          <a:p>
+            <a:r>
+              <a:rPr lang="en-US" sz="2800" b="1" dirty="0">
+                <a:solidFill>
+                  <a:schemeClr val="tx1"/>
+                </a:solidFill>
+                <a:latin typeface="Garamond" panose="02020404030301010803" pitchFamily="18" charset="0"/>
+              </a:rPr>
+              <a:t>Conclusion</a:t>
+            </a:r>
+          </a:p>
+        </p:txBody>
+      </p:sp>
     </p:spTree>
     <p:extLst>
       <p:ext uri="{BB962C8B-B14F-4D97-AF65-F5344CB8AC3E}">

--- a/Discussion/Discussion_Woessner_Stauffenegger_V2.pptx
+++ b/Discussion/Discussion_Woessner_Stauffenegger_V2.pptx
@@ -124,7 +124,7 @@
   <p:extLst>
     <p:ext uri="{EFAFB233-063F-42B5-8137-9DF3F51BA10A}">
       <p15:sldGuideLst xmlns:p15="http://schemas.microsoft.com/office/powerpoint/2012/main">
-        <p15:guide id="1" orient="horz" pos="1797" userDrawn="1">
+        <p15:guide id="1" orient="horz" pos="2205" userDrawn="1">
           <p15:clr>
             <a:srgbClr val="A4A3A4"/>
           </p15:clr>
@@ -222,7 +222,7 @@
           <a:p>
             <a:fld id="{176B0303-6F4F-5243-998E-2D2CC346AF00}" type="datetimeFigureOut">
               <a:rPr lang="en-US" smtClean="0"/>
-              <a:t>5/2/19</a:t>
+              <a:t>5/3/19</a:t>
             </a:fld>
             <a:endParaRPr lang="en-US"/>
           </a:p>
@@ -646,7 +646,7 @@
           <a:p>
             <a:fld id="{85634D96-BAC6-624E-89B2-93829D52EF74}" type="datetimeFigureOut">
               <a:rPr lang="de-DE" smtClean="0"/>
-              <a:t>02.05.19</a:t>
+              <a:t>03.05.19</a:t>
             </a:fld>
             <a:endParaRPr lang="de-DE"/>
           </a:p>
@@ -870,7 +870,7 @@
           <a:p>
             <a:fld id="{85634D96-BAC6-624E-89B2-93829D52EF74}" type="datetimeFigureOut">
               <a:rPr lang="de-DE" smtClean="0"/>
-              <a:t>02.05.19</a:t>
+              <a:t>03.05.19</a:t>
             </a:fld>
             <a:endParaRPr lang="de-DE"/>
           </a:p>
@@ -1104,7 +1104,7 @@
           <a:p>
             <a:fld id="{85634D96-BAC6-624E-89B2-93829D52EF74}" type="datetimeFigureOut">
               <a:rPr lang="de-DE" smtClean="0"/>
-              <a:t>02.05.19</a:t>
+              <a:t>03.05.19</a:t>
             </a:fld>
             <a:endParaRPr lang="de-DE"/>
           </a:p>
@@ -1328,7 +1328,7 @@
           <a:p>
             <a:fld id="{85634D96-BAC6-624E-89B2-93829D52EF74}" type="datetimeFigureOut">
               <a:rPr lang="de-DE" smtClean="0"/>
-              <a:t>02.05.19</a:t>
+              <a:t>03.05.19</a:t>
             </a:fld>
             <a:endParaRPr lang="de-DE"/>
           </a:p>
@@ -1628,7 +1628,7 @@
           <a:p>
             <a:fld id="{85634D96-BAC6-624E-89B2-93829D52EF74}" type="datetimeFigureOut">
               <a:rPr lang="de-DE" smtClean="0"/>
-              <a:t>02.05.19</a:t>
+              <a:t>03.05.19</a:t>
             </a:fld>
             <a:endParaRPr lang="de-DE"/>
           </a:p>
@@ -1920,7 +1920,7 @@
           <a:p>
             <a:fld id="{85634D96-BAC6-624E-89B2-93829D52EF74}" type="datetimeFigureOut">
               <a:rPr lang="de-DE" smtClean="0"/>
-              <a:t>02.05.19</a:t>
+              <a:t>03.05.19</a:t>
             </a:fld>
             <a:endParaRPr lang="de-DE"/>
           </a:p>
@@ -2359,7 +2359,7 @@
           <a:p>
             <a:fld id="{85634D96-BAC6-624E-89B2-93829D52EF74}" type="datetimeFigureOut">
               <a:rPr lang="de-DE" smtClean="0"/>
-              <a:t>02.05.19</a:t>
+              <a:t>03.05.19</a:t>
             </a:fld>
             <a:endParaRPr lang="de-DE"/>
           </a:p>
@@ -2525,7 +2525,7 @@
           <a:p>
             <a:fld id="{85634D96-BAC6-624E-89B2-93829D52EF74}" type="datetimeFigureOut">
               <a:rPr lang="de-DE" smtClean="0"/>
-              <a:t>02.05.19</a:t>
+              <a:t>03.05.19</a:t>
             </a:fld>
             <a:endParaRPr lang="de-DE"/>
           </a:p>
@@ -2662,7 +2662,7 @@
           <a:p>
             <a:fld id="{85634D96-BAC6-624E-89B2-93829D52EF74}" type="datetimeFigureOut">
               <a:rPr lang="de-DE" smtClean="0"/>
-              <a:t>02.05.19</a:t>
+              <a:t>03.05.19</a:t>
             </a:fld>
             <a:endParaRPr lang="de-DE"/>
           </a:p>
@@ -2999,7 +2999,7 @@
           <a:p>
             <a:fld id="{85634D96-BAC6-624E-89B2-93829D52EF74}" type="datetimeFigureOut">
               <a:rPr lang="de-DE" smtClean="0"/>
-              <a:t>02.05.19</a:t>
+              <a:t>03.05.19</a:t>
             </a:fld>
             <a:endParaRPr lang="de-DE"/>
           </a:p>
@@ -3312,7 +3312,7 @@
           <a:p>
             <a:fld id="{85634D96-BAC6-624E-89B2-93829D52EF74}" type="datetimeFigureOut">
               <a:rPr lang="de-DE" smtClean="0"/>
-              <a:t>02.05.19</a:t>
+              <a:t>03.05.19</a:t>
             </a:fld>
             <a:endParaRPr lang="de-DE"/>
           </a:p>
@@ -6927,6 +6927,11 @@
           <a:solidFill>
             <a:srgbClr val="008240"/>
           </a:solidFill>
+          <a:ln>
+            <a:solidFill>
+              <a:srgbClr val="008240"/>
+            </a:solidFill>
+          </a:ln>
         </p:spPr>
         <p:style>
           <a:lnRef idx="2">
